--- a/documentation/Build #1 - Coding Conventions.pptx
+++ b/documentation/Build #1 - Coding Conventions.pptx
@@ -13,8 +13,9 @@
     <p:sldId id="267" r:id="rId7"/>
     <p:sldId id="262" r:id="rId8"/>
     <p:sldId id="265" r:id="rId9"/>
-    <p:sldId id="263" r:id="rId10"/>
-    <p:sldId id="260" r:id="rId11"/>
+    <p:sldId id="268" r:id="rId10"/>
+    <p:sldId id="263" r:id="rId11"/>
+    <p:sldId id="260" r:id="rId12"/>
   </p:sldIdLst>
   <p:sldSz cx="12192000" cy="6858000"/>
   <p:notesSz cx="6858000" cy="9144000"/>
@@ -2468,7 +2469,7 @@
           <a:p>
             <a:fld id="{3C04E684-10F4-4CC3-A0B9-F03AA7BE37CF}" type="datetimeFigureOut">
               <a:rPr lang="en-US" smtClean="0"/>
-              <a:t>2/24/2021</a:t>
+              <a:t>2/25/2021</a:t>
             </a:fld>
             <a:endParaRPr lang="en-US"/>
           </a:p>
@@ -4958,7 +4959,7 @@
           <a:p>
             <a:fld id="{3C04E684-10F4-4CC3-A0B9-F03AA7BE37CF}" type="datetimeFigureOut">
               <a:rPr lang="en-US" smtClean="0"/>
-              <a:t>2/24/2021</a:t>
+              <a:t>2/25/2021</a:t>
             </a:fld>
             <a:endParaRPr lang="en-US"/>
           </a:p>
@@ -5156,7 +5157,7 @@
           <a:p>
             <a:fld id="{3C04E684-10F4-4CC3-A0B9-F03AA7BE37CF}" type="datetimeFigureOut">
               <a:rPr lang="en-US" smtClean="0"/>
-              <a:t>2/24/2021</a:t>
+              <a:t>2/25/2021</a:t>
             </a:fld>
             <a:endParaRPr lang="en-US"/>
           </a:p>
@@ -5364,7 +5365,7 @@
           <a:p>
             <a:fld id="{3C04E684-10F4-4CC3-A0B9-F03AA7BE37CF}" type="datetimeFigureOut">
               <a:rPr lang="en-US" smtClean="0"/>
-              <a:t>2/24/2021</a:t>
+              <a:t>2/25/2021</a:t>
             </a:fld>
             <a:endParaRPr lang="en-US"/>
           </a:p>
@@ -6101,7 +6102,7 @@
           <a:p>
             <a:fld id="{3C04E684-10F4-4CC3-A0B9-F03AA7BE37CF}" type="datetimeFigureOut">
               <a:rPr lang="en-US" smtClean="0"/>
-              <a:t>2/24/2021</a:t>
+              <a:t>2/25/2021</a:t>
             </a:fld>
             <a:endParaRPr lang="en-US"/>
           </a:p>
@@ -6743,7 +6744,7 @@
           <a:p>
             <a:fld id="{3C04E684-10F4-4CC3-A0B9-F03AA7BE37CF}" type="datetimeFigureOut">
               <a:rPr lang="en-US" smtClean="0"/>
-              <a:t>2/24/2021</a:t>
+              <a:t>2/25/2021</a:t>
             </a:fld>
             <a:endParaRPr lang="en-US"/>
           </a:p>
@@ -7543,7 +7544,7 @@
           <a:p>
             <a:fld id="{3C04E684-10F4-4CC3-A0B9-F03AA7BE37CF}" type="datetimeFigureOut">
               <a:rPr lang="en-US" smtClean="0"/>
-              <a:t>2/24/2021</a:t>
+              <a:t>2/25/2021</a:t>
             </a:fld>
             <a:endParaRPr lang="en-US"/>
           </a:p>
@@ -8494,7 +8495,7 @@
           <a:p>
             <a:fld id="{3C04E684-10F4-4CC3-A0B9-F03AA7BE37CF}" type="datetimeFigureOut">
               <a:rPr lang="en-US" smtClean="0"/>
-              <a:t>2/24/2021</a:t>
+              <a:t>2/25/2021</a:t>
             </a:fld>
             <a:endParaRPr lang="en-US"/>
           </a:p>
@@ -10843,7 +10844,7 @@
           <a:p>
             <a:fld id="{3C04E684-10F4-4CC3-A0B9-F03AA7BE37CF}" type="datetimeFigureOut">
               <a:rPr lang="en-US" smtClean="0"/>
-              <a:t>2/24/2021</a:t>
+              <a:t>2/25/2021</a:t>
             </a:fld>
             <a:endParaRPr lang="en-US"/>
           </a:p>
@@ -10956,7 +10957,7 @@
           <a:p>
             <a:fld id="{3C04E684-10F4-4CC3-A0B9-F03AA7BE37CF}" type="datetimeFigureOut">
               <a:rPr lang="en-US" smtClean="0"/>
-              <a:t>2/24/2021</a:t>
+              <a:t>2/25/2021</a:t>
             </a:fld>
             <a:endParaRPr lang="en-US"/>
           </a:p>
@@ -11463,7 +11464,7 @@
           <a:p>
             <a:fld id="{3C04E684-10F4-4CC3-A0B9-F03AA7BE37CF}" type="datetimeFigureOut">
               <a:rPr lang="en-US" smtClean="0"/>
-              <a:t>2/24/2021</a:t>
+              <a:t>2/25/2021</a:t>
             </a:fld>
             <a:endParaRPr lang="en-US"/>
           </a:p>
@@ -12766,7 +12767,7 @@
           <a:p>
             <a:fld id="{3C04E684-10F4-4CC3-A0B9-F03AA7BE37CF}" type="datetimeFigureOut">
               <a:rPr lang="en-US" smtClean="0"/>
-              <a:t>2/24/2021</a:t>
+              <a:t>2/25/2021</a:t>
             </a:fld>
             <a:endParaRPr lang="en-US"/>
           </a:p>
@@ -13013,7 +13014,7 @@
           <a:p>
             <a:fld id="{3C04E684-10F4-4CC3-A0B9-F03AA7BE37CF}" type="datetimeFigureOut">
               <a:rPr lang="en-US" smtClean="0"/>
-              <a:t>2/24/2021</a:t>
+              <a:t>2/25/2021</a:t>
             </a:fld>
             <a:endParaRPr lang="en-US"/>
           </a:p>
@@ -14209,6 +14210,94 @@
 <file path=ppt/slides/slide10.xml><?xml version="1.0" encoding="utf-8"?>
 <p:sld xmlns:a="http://schemas.openxmlformats.org/drawingml/2006/main" xmlns:r="http://schemas.openxmlformats.org/officeDocument/2006/relationships" xmlns:p="http://schemas.openxmlformats.org/presentationml/2006/main">
   <p:cSld>
+    <p:spTree>
+      <p:nvGrpSpPr>
+        <p:cNvPr id="1" name=""/>
+        <p:cNvGrpSpPr/>
+        <p:nvPr/>
+      </p:nvGrpSpPr>
+      <p:grpSpPr>
+        <a:xfrm>
+          <a:off x="0" y="0"/>
+          <a:ext cx="0" cy="0"/>
+          <a:chOff x="0" y="0"/>
+          <a:chExt cx="0" cy="0"/>
+        </a:xfrm>
+      </p:grpSpPr>
+      <p:sp>
+        <p:nvSpPr>
+          <p:cNvPr id="2" name="Title 1">
+            <a:extLst>
+              <a:ext uri="{FF2B5EF4-FFF2-40B4-BE49-F238E27FC236}">
+                <a16:creationId xmlns:a16="http://schemas.microsoft.com/office/drawing/2014/main" id="{00493985-5505-4288-834E-58D63FCCB17F}"/>
+              </a:ext>
+            </a:extLst>
+          </p:cNvPr>
+          <p:cNvSpPr>
+            <a:spLocks noGrp="1"/>
+          </p:cNvSpPr>
+          <p:nvPr>
+            <p:ph type="title"/>
+          </p:nvPr>
+        </p:nvSpPr>
+        <p:spPr/>
+        <p:txBody>
+          <a:bodyPr/>
+          <a:lstStyle/>
+          <a:p>
+            <a:r>
+              <a:rPr lang="en-IN" dirty="0"/>
+              <a:t>References</a:t>
+            </a:r>
+          </a:p>
+        </p:txBody>
+      </p:sp>
+      <p:sp>
+        <p:nvSpPr>
+          <p:cNvPr id="3" name="Content Placeholder 2">
+            <a:extLst>
+              <a:ext uri="{FF2B5EF4-FFF2-40B4-BE49-F238E27FC236}">
+                <a16:creationId xmlns:a16="http://schemas.microsoft.com/office/drawing/2014/main" id="{3161AA81-57CB-401F-8B01-0CB3B5F720C3}"/>
+              </a:ext>
+            </a:extLst>
+          </p:cNvPr>
+          <p:cNvSpPr>
+            <a:spLocks noGrp="1"/>
+          </p:cNvSpPr>
+          <p:nvPr>
+            <p:ph idx="1"/>
+          </p:nvPr>
+        </p:nvSpPr>
+        <p:spPr/>
+        <p:txBody>
+          <a:bodyPr>
+            <a:normAutofit/>
+          </a:bodyPr>
+          <a:lstStyle/>
+          <a:p>
+            <a:r>
+              <a:rPr lang="en-IN" sz="2400" dirty="0"/>
+              <a:t>As mentioned in the Project Build #1 handout.</a:t>
+            </a:r>
+          </a:p>
+        </p:txBody>
+      </p:sp>
+    </p:spTree>
+    <p:extLst>
+      <p:ext uri="{BB962C8B-B14F-4D97-AF65-F5344CB8AC3E}">
+        <p14:creationId xmlns:p14="http://schemas.microsoft.com/office/powerpoint/2010/main" val="2565811765"/>
+      </p:ext>
+    </p:extLst>
+  </p:cSld>
+  <p:clrMapOvr>
+    <a:masterClrMapping/>
+  </p:clrMapOvr>
+</p:sld>
+</file>
+
+<file path=ppt/slides/slide11.xml><?xml version="1.0" encoding="utf-8"?>
+<p:sld xmlns:a="http://schemas.openxmlformats.org/drawingml/2006/main" xmlns:r="http://schemas.openxmlformats.org/officeDocument/2006/relationships" xmlns:p="http://schemas.openxmlformats.org/presentationml/2006/main">
+  <p:cSld>
     <p:bg>
       <p:bgPr>
         <a:solidFill>
@@ -19762,7 +19851,7 @@
             <a:pPr lvl="1"/>
             <a:r>
               <a:rPr lang="en-IN" sz="1600" dirty="0"/>
-              <a:t>Indentation of 8 columns.</a:t>
+              <a:t>Indentation of 8 spaces.</a:t>
             </a:r>
           </a:p>
           <a:p>
@@ -21988,7 +22077,7 @@
             </a:pPr>
             <a:r>
               <a:rPr lang="en-IN" sz="2400" dirty="0"/>
-              <a:t>Static Members</a:t>
+              <a:t>Static Members/Constants</a:t>
             </a:r>
           </a:p>
           <a:p>
@@ -22071,26 +22160,6 @@
               </a:rPr>
               <a:t>= “false”;</a:t>
             </a:r>
-          </a:p>
-          <a:p>
-            <a:pPr marL="514350" indent="-514350">
-              <a:buFont typeface="+mj-lt"/>
-              <a:buAutoNum type="alphaUcPeriod"/>
-            </a:pPr>
-            <a:r>
-              <a:rPr lang="en-IN" sz="2400" dirty="0"/>
-              <a:t>Global Variables</a:t>
-            </a:r>
-          </a:p>
-          <a:p>
-            <a:pPr lvl="1"/>
-            <a:r>
-              <a:rPr lang="en-IN" sz="1600" dirty="0"/>
-              <a:t>All in CAPITAL letters. </a:t>
-            </a:r>
-          </a:p>
-          <a:p>
-            <a:pPr lvl="1"/>
             <a:endParaRPr lang="en-IN" sz="1600" dirty="0"/>
           </a:p>
         </p:txBody>
@@ -26319,60 +26388,84 @@
           <a:chExt cx="0" cy="0"/>
         </a:xfrm>
       </p:grpSpPr>
-      <p:sp>
-        <p:nvSpPr>
-          <p:cNvPr id="2" name="Title 1">
+      <p:pic>
+        <p:nvPicPr>
+          <p:cNvPr id="5" name="Picture 4">
             <a:extLst>
               <a:ext uri="{FF2B5EF4-FFF2-40B4-BE49-F238E27FC236}">
-                <a16:creationId xmlns:a16="http://schemas.microsoft.com/office/drawing/2014/main" id="{00493985-5505-4288-834E-58D63FCCB17F}"/>
+                <a16:creationId xmlns:a16="http://schemas.microsoft.com/office/drawing/2014/main" id="{6B63B950-46FD-486F-A24B-7C2B4FF2153E}"/>
               </a:ext>
             </a:extLst>
           </p:cNvPr>
-          <p:cNvSpPr>
-            <a:spLocks noGrp="1"/>
-          </p:cNvSpPr>
-          <p:nvPr>
-            <p:ph type="title"/>
-          </p:nvPr>
-        </p:nvSpPr>
-        <p:spPr/>
-        <p:txBody>
-          <a:bodyPr/>
-          <a:lstStyle/>
-          <a:p>
-            <a:r>
-              <a:rPr lang="en-IN" dirty="0"/>
-              <a:t>References</a:t>
-            </a:r>
-          </a:p>
-        </p:txBody>
-      </p:sp>
+          <p:cNvPicPr>
+            <a:picLocks noChangeAspect="1"/>
+          </p:cNvPicPr>
+          <p:nvPr/>
+        </p:nvPicPr>
+        <p:blipFill>
+          <a:blip r:embed="rId2"/>
+          <a:stretch>
+            <a:fillRect/>
+          </a:stretch>
+        </p:blipFill>
+        <p:spPr>
+          <a:xfrm>
+            <a:off x="2580480" y="1344749"/>
+            <a:ext cx="6835732" cy="4168501"/>
+          </a:xfrm>
+          <a:prstGeom prst="rect">
+            <a:avLst/>
+          </a:prstGeom>
+        </p:spPr>
+        <p:style>
+          <a:lnRef idx="2">
+            <a:schemeClr val="accent1"/>
+          </a:lnRef>
+          <a:fillRef idx="1">
+            <a:schemeClr val="lt1"/>
+          </a:fillRef>
+          <a:effectRef idx="0">
+            <a:schemeClr val="accent1"/>
+          </a:effectRef>
+          <a:fontRef idx="minor">
+            <a:schemeClr val="dk1"/>
+          </a:fontRef>
+        </p:style>
+      </p:pic>
       <p:sp>
         <p:nvSpPr>
-          <p:cNvPr id="3" name="Content Placeholder 2">
+          <p:cNvPr id="6" name="TextBox 5">
             <a:extLst>
               <a:ext uri="{FF2B5EF4-FFF2-40B4-BE49-F238E27FC236}">
-                <a16:creationId xmlns:a16="http://schemas.microsoft.com/office/drawing/2014/main" id="{3161AA81-57CB-401F-8B01-0CB3B5F720C3}"/>
+                <a16:creationId xmlns:a16="http://schemas.microsoft.com/office/drawing/2014/main" id="{C2FD8E39-ACD1-47CD-B4B6-325AB0740B19}"/>
               </a:ext>
             </a:extLst>
           </p:cNvPr>
-          <p:cNvSpPr>
-            <a:spLocks noGrp="1"/>
-          </p:cNvSpPr>
-          <p:nvPr>
-            <p:ph idx="1"/>
-          </p:nvPr>
+          <p:cNvSpPr txBox="1"/>
+          <p:nvPr/>
         </p:nvSpPr>
-        <p:spPr/>
+        <p:spPr>
+          <a:xfrm>
+            <a:off x="2491299" y="938727"/>
+            <a:ext cx="3373662" cy="338554"/>
+          </a:xfrm>
+          <a:prstGeom prst="rect">
+            <a:avLst/>
+          </a:prstGeom>
+          <a:noFill/>
+        </p:spPr>
         <p:txBody>
-          <a:bodyPr>
-            <a:normAutofit/>
+          <a:bodyPr wrap="square" rtlCol="0">
+            <a:spAutoFit/>
           </a:bodyPr>
           <a:lstStyle/>
           <a:p>
             <a:r>
-              <a:rPr lang="en-IN" sz="2400" dirty="0"/>
-              <a:t>As mentioned in the Project Build #1 handout.</a:t>
+              <a:rPr lang="en-IN" sz="1600" dirty="0">
+                <a:latin typeface="Courier New" panose="02070309020205020404" pitchFamily="49" charset="0"/>
+                <a:cs typeface="Courier New" panose="02070309020205020404" pitchFamily="49" charset="0"/>
+              </a:rPr>
+              <a:t>GameEngineController.java</a:t>
             </a:r>
           </a:p>
         </p:txBody>
@@ -26380,7 +26473,7 @@
     </p:spTree>
     <p:extLst>
       <p:ext uri="{BB962C8B-B14F-4D97-AF65-F5344CB8AC3E}">
-        <p14:creationId xmlns:p14="http://schemas.microsoft.com/office/powerpoint/2010/main" val="2565811765"/>
+        <p14:creationId xmlns:p14="http://schemas.microsoft.com/office/powerpoint/2010/main" val="4205669950"/>
       </p:ext>
     </p:extLst>
   </p:cSld>

--- a/documentation/Build #1 - Coding Conventions.pptx
+++ b/documentation/Build #1 - Coding Conventions.pptx
@@ -13980,8 +13980,8 @@
         </p:nvSpPr>
         <p:spPr>
           <a:xfrm>
-            <a:off x="9021548" y="3811008"/>
-            <a:ext cx="3391269" cy="2031325"/>
+            <a:off x="8094717" y="3811008"/>
+            <a:ext cx="3827994" cy="2031325"/>
           </a:xfrm>
           <a:prstGeom prst="rect">
             <a:avLst/>
@@ -14022,13 +14022,16 @@
               <a:rPr lang="en-IN" dirty="0" err="1"/>
               <a:t>Pannu</a:t>
             </a:r>
-            <a:endParaRPr lang="en-IN" dirty="0"/>
+            <a:r>
+              <a:rPr lang="en-IN" dirty="0"/>
+              <a:t> [40168576]</a:t>
+            </a:r>
           </a:p>
           <a:p>
             <a:pPr algn="ctr"/>
             <a:r>
               <a:rPr lang="en-IN" dirty="0"/>
-              <a:t>Bhoomi Shah</a:t>
+              <a:t>Bhoomi Shah [40169655]</a:t>
             </a:r>
           </a:p>
           <a:p>
@@ -14039,7 +14042,7 @@
             </a:r>
             <a:r>
               <a:rPr lang="en-IN" dirty="0"/>
-              <a:t> Arora</a:t>
+              <a:t> Arora [40162512]</a:t>
             </a:r>
           </a:p>
           <a:p>
@@ -14052,6 +14055,10 @@
               <a:rPr lang="en-IN" dirty="0" err="1"/>
               <a:t>Kakkar</a:t>
             </a:r>
+            <a:r>
+              <a:rPr lang="en-IN"/>
+              <a:t> [40160971]</a:t>
+            </a:r>
             <a:endParaRPr lang="en-IN" dirty="0"/>
           </a:p>
           <a:p>
@@ -14062,7 +14069,7 @@
             </a:r>
             <a:r>
               <a:rPr lang="en-IN" dirty="0"/>
-              <a:t> Patel</a:t>
+              <a:t> Patel [40164315]</a:t>
             </a:r>
           </a:p>
         </p:txBody>
